--- a/_posts/集成电路静态时序分析及建模/集成电路静态时序分析及建模.pptx
+++ b/_posts/集成电路静态时序分析及建模/集成电路静态时序分析及建模.pptx
@@ -7,6 +7,7 @@
   <p:sldIdLst>
     <p:sldId id="256" r:id="rId2"/>
     <p:sldId id="257" r:id="rId3"/>
+    <p:sldId id="259" r:id="rId4"/>
   </p:sldIdLst>
   <p:sldSz cx="12192000" cy="6858000"/>
   <p:notesSz cx="6858000" cy="9144000"/>
@@ -260,7 +261,7 @@
           <a:p>
             <a:fld id="{095BEC73-6F71-43FD-89D3-CB30850EFFA4}" type="datetimeFigureOut">
               <a:rPr lang="zh-CN" altLang="en-US" smtClean="0"/>
-              <a:t>2022/5/15</a:t>
+              <a:t>2022/5/19</a:t>
             </a:fld>
             <a:endParaRPr lang="zh-CN" altLang="en-US"/>
           </a:p>
@@ -458,7 +459,7 @@
           <a:p>
             <a:fld id="{095BEC73-6F71-43FD-89D3-CB30850EFFA4}" type="datetimeFigureOut">
               <a:rPr lang="zh-CN" altLang="en-US" smtClean="0"/>
-              <a:t>2022/5/15</a:t>
+              <a:t>2022/5/19</a:t>
             </a:fld>
             <a:endParaRPr lang="zh-CN" altLang="en-US"/>
           </a:p>
@@ -666,7 +667,7 @@
           <a:p>
             <a:fld id="{095BEC73-6F71-43FD-89D3-CB30850EFFA4}" type="datetimeFigureOut">
               <a:rPr lang="zh-CN" altLang="en-US" smtClean="0"/>
-              <a:t>2022/5/15</a:t>
+              <a:t>2022/5/19</a:t>
             </a:fld>
             <a:endParaRPr lang="zh-CN" altLang="en-US"/>
           </a:p>
@@ -864,7 +865,7 @@
           <a:p>
             <a:fld id="{095BEC73-6F71-43FD-89D3-CB30850EFFA4}" type="datetimeFigureOut">
               <a:rPr lang="zh-CN" altLang="en-US" smtClean="0"/>
-              <a:t>2022/5/15</a:t>
+              <a:t>2022/5/19</a:t>
             </a:fld>
             <a:endParaRPr lang="zh-CN" altLang="en-US"/>
           </a:p>
@@ -1139,7 +1140,7 @@
           <a:p>
             <a:fld id="{095BEC73-6F71-43FD-89D3-CB30850EFFA4}" type="datetimeFigureOut">
               <a:rPr lang="zh-CN" altLang="en-US" smtClean="0"/>
-              <a:t>2022/5/15</a:t>
+              <a:t>2022/5/19</a:t>
             </a:fld>
             <a:endParaRPr lang="zh-CN" altLang="en-US"/>
           </a:p>
@@ -1404,7 +1405,7 @@
           <a:p>
             <a:fld id="{095BEC73-6F71-43FD-89D3-CB30850EFFA4}" type="datetimeFigureOut">
               <a:rPr lang="zh-CN" altLang="en-US" smtClean="0"/>
-              <a:t>2022/5/15</a:t>
+              <a:t>2022/5/19</a:t>
             </a:fld>
             <a:endParaRPr lang="zh-CN" altLang="en-US"/>
           </a:p>
@@ -1816,7 +1817,7 @@
           <a:p>
             <a:fld id="{095BEC73-6F71-43FD-89D3-CB30850EFFA4}" type="datetimeFigureOut">
               <a:rPr lang="zh-CN" altLang="en-US" smtClean="0"/>
-              <a:t>2022/5/15</a:t>
+              <a:t>2022/5/19</a:t>
             </a:fld>
             <a:endParaRPr lang="zh-CN" altLang="en-US"/>
           </a:p>
@@ -1957,7 +1958,7 @@
           <a:p>
             <a:fld id="{095BEC73-6F71-43FD-89D3-CB30850EFFA4}" type="datetimeFigureOut">
               <a:rPr lang="zh-CN" altLang="en-US" smtClean="0"/>
-              <a:t>2022/5/15</a:t>
+              <a:t>2022/5/19</a:t>
             </a:fld>
             <a:endParaRPr lang="zh-CN" altLang="en-US"/>
           </a:p>
@@ -2070,7 +2071,7 @@
           <a:p>
             <a:fld id="{095BEC73-6F71-43FD-89D3-CB30850EFFA4}" type="datetimeFigureOut">
               <a:rPr lang="zh-CN" altLang="en-US" smtClean="0"/>
-              <a:t>2022/5/15</a:t>
+              <a:t>2022/5/19</a:t>
             </a:fld>
             <a:endParaRPr lang="zh-CN" altLang="en-US"/>
           </a:p>
@@ -2381,7 +2382,7 @@
           <a:p>
             <a:fld id="{095BEC73-6F71-43FD-89D3-CB30850EFFA4}" type="datetimeFigureOut">
               <a:rPr lang="zh-CN" altLang="en-US" smtClean="0"/>
-              <a:t>2022/5/15</a:t>
+              <a:t>2022/5/19</a:t>
             </a:fld>
             <a:endParaRPr lang="zh-CN" altLang="en-US"/>
           </a:p>
@@ -2669,7 +2670,7 @@
           <a:p>
             <a:fld id="{095BEC73-6F71-43FD-89D3-CB30850EFFA4}" type="datetimeFigureOut">
               <a:rPr lang="zh-CN" altLang="en-US" smtClean="0"/>
-              <a:t>2022/5/15</a:t>
+              <a:t>2022/5/19</a:t>
             </a:fld>
             <a:endParaRPr lang="zh-CN" altLang="en-US"/>
           </a:p>
@@ -2910,7 +2911,7 @@
           <a:p>
             <a:fld id="{095BEC73-6F71-43FD-89D3-CB30850EFFA4}" type="datetimeFigureOut">
               <a:rPr lang="zh-CN" altLang="en-US" smtClean="0"/>
-              <a:t>2022/5/15</a:t>
+              <a:t>2022/5/19</a:t>
             </a:fld>
             <a:endParaRPr lang="zh-CN" altLang="en-US"/>
           </a:p>
@@ -7662,6 +7663,1943 @@
 </p:sld>
 </file>
 
+<file path=ppt/slides/slide3.xml><?xml version="1.0" encoding="utf-8"?>
+<p:sld xmlns:a="http://schemas.openxmlformats.org/drawingml/2006/main" xmlns:r="http://schemas.openxmlformats.org/officeDocument/2006/relationships" xmlns:p="http://schemas.openxmlformats.org/presentationml/2006/main">
+  <p:cSld>
+    <p:spTree>
+      <p:nvGrpSpPr>
+        <p:cNvPr id="1" name=""/>
+        <p:cNvGrpSpPr/>
+        <p:nvPr/>
+      </p:nvGrpSpPr>
+      <p:grpSpPr>
+        <a:xfrm>
+          <a:off x="0" y="0"/>
+          <a:ext cx="0" cy="0"/>
+          <a:chOff x="0" y="0"/>
+          <a:chExt cx="0" cy="0"/>
+        </a:xfrm>
+      </p:grpSpPr>
+      <p:sp>
+        <p:nvSpPr>
+          <p:cNvPr id="5" name="矩形 4">
+            <a:extLst>
+              <a:ext uri="{FF2B5EF4-FFF2-40B4-BE49-F238E27FC236}">
+                <a16:creationId xmlns:a16="http://schemas.microsoft.com/office/drawing/2014/main" id="{F73CA557-E214-4981-A66D-07551B7C210F}"/>
+              </a:ext>
+            </a:extLst>
+          </p:cNvPr>
+          <p:cNvSpPr/>
+          <p:nvPr/>
+        </p:nvSpPr>
+        <p:spPr>
+          <a:xfrm>
+            <a:off x="5163935" y="2178422"/>
+            <a:ext cx="575953" cy="1033153"/>
+          </a:xfrm>
+          <a:prstGeom prst="rect">
+            <a:avLst/>
+          </a:prstGeom>
+          <a:noFill/>
+        </p:spPr>
+        <p:style>
+          <a:lnRef idx="2">
+            <a:schemeClr val="accent1">
+              <a:shade val="50000"/>
+            </a:schemeClr>
+          </a:lnRef>
+          <a:fillRef idx="1">
+            <a:schemeClr val="accent1"/>
+          </a:fillRef>
+          <a:effectRef idx="0">
+            <a:schemeClr val="accent1"/>
+          </a:effectRef>
+          <a:fontRef idx="minor">
+            <a:schemeClr val="lt1"/>
+          </a:fontRef>
+        </p:style>
+        <p:txBody>
+          <a:bodyPr rtlCol="0" anchor="ctr"/>
+          <a:lstStyle/>
+          <a:p>
+            <a:pPr algn="ctr"/>
+            <a:endParaRPr lang="zh-CN" altLang="en-US" dirty="0">
+              <a:solidFill>
+                <a:schemeClr val="tx1"/>
+              </a:solidFill>
+            </a:endParaRPr>
+          </a:p>
+        </p:txBody>
+      </p:sp>
+      <p:sp>
+        <p:nvSpPr>
+          <p:cNvPr id="6" name="直角三角形 5">
+            <a:extLst>
+              <a:ext uri="{FF2B5EF4-FFF2-40B4-BE49-F238E27FC236}">
+                <a16:creationId xmlns:a16="http://schemas.microsoft.com/office/drawing/2014/main" id="{CECC679B-F59C-464E-8BE6-B71EF1F33D86}"/>
+              </a:ext>
+            </a:extLst>
+          </p:cNvPr>
+          <p:cNvSpPr/>
+          <p:nvPr/>
+        </p:nvSpPr>
+        <p:spPr>
+          <a:xfrm rot="13320000">
+            <a:off x="5061486" y="2836098"/>
+            <a:ext cx="206982" cy="226517"/>
+          </a:xfrm>
+          <a:prstGeom prst="rtTriangle">
+            <a:avLst/>
+          </a:prstGeom>
+          <a:noFill/>
+        </p:spPr>
+        <p:style>
+          <a:lnRef idx="2">
+            <a:schemeClr val="accent1">
+              <a:shade val="50000"/>
+            </a:schemeClr>
+          </a:lnRef>
+          <a:fillRef idx="1">
+            <a:schemeClr val="accent1"/>
+          </a:fillRef>
+          <a:effectRef idx="0">
+            <a:schemeClr val="accent1"/>
+          </a:effectRef>
+          <a:fontRef idx="minor">
+            <a:schemeClr val="lt1"/>
+          </a:fontRef>
+        </p:style>
+        <p:txBody>
+          <a:bodyPr rtlCol="0" anchor="ctr"/>
+          <a:lstStyle/>
+          <a:p>
+            <a:pPr algn="ctr"/>
+            <a:endParaRPr lang="zh-CN" altLang="en-US"/>
+          </a:p>
+        </p:txBody>
+      </p:sp>
+      <p:sp>
+        <p:nvSpPr>
+          <p:cNvPr id="7" name="矩形 6">
+            <a:extLst>
+              <a:ext uri="{FF2B5EF4-FFF2-40B4-BE49-F238E27FC236}">
+                <a16:creationId xmlns:a16="http://schemas.microsoft.com/office/drawing/2014/main" id="{E1A15F97-2337-46AD-9FA1-DF5EAC118A38}"/>
+              </a:ext>
+            </a:extLst>
+          </p:cNvPr>
+          <p:cNvSpPr/>
+          <p:nvPr/>
+        </p:nvSpPr>
+        <p:spPr>
+          <a:xfrm>
+            <a:off x="7126060" y="2178422"/>
+            <a:ext cx="575953" cy="1033153"/>
+          </a:xfrm>
+          <a:prstGeom prst="rect">
+            <a:avLst/>
+          </a:prstGeom>
+          <a:noFill/>
+        </p:spPr>
+        <p:style>
+          <a:lnRef idx="2">
+            <a:schemeClr val="accent1">
+              <a:shade val="50000"/>
+            </a:schemeClr>
+          </a:lnRef>
+          <a:fillRef idx="1">
+            <a:schemeClr val="accent1"/>
+          </a:fillRef>
+          <a:effectRef idx="0">
+            <a:schemeClr val="accent1"/>
+          </a:effectRef>
+          <a:fontRef idx="minor">
+            <a:schemeClr val="lt1"/>
+          </a:fontRef>
+        </p:style>
+        <p:txBody>
+          <a:bodyPr rtlCol="0" anchor="ctr"/>
+          <a:lstStyle/>
+          <a:p>
+            <a:pPr algn="ctr"/>
+            <a:endParaRPr lang="zh-CN" altLang="en-US" dirty="0">
+              <a:solidFill>
+                <a:schemeClr val="tx1"/>
+              </a:solidFill>
+            </a:endParaRPr>
+          </a:p>
+        </p:txBody>
+      </p:sp>
+      <p:sp>
+        <p:nvSpPr>
+          <p:cNvPr id="8" name="直角三角形 7">
+            <a:extLst>
+              <a:ext uri="{FF2B5EF4-FFF2-40B4-BE49-F238E27FC236}">
+                <a16:creationId xmlns:a16="http://schemas.microsoft.com/office/drawing/2014/main" id="{AAEE7472-9A9C-4E42-B605-CA362E72A133}"/>
+              </a:ext>
+            </a:extLst>
+          </p:cNvPr>
+          <p:cNvSpPr/>
+          <p:nvPr/>
+        </p:nvSpPr>
+        <p:spPr>
+          <a:xfrm rot="13320000">
+            <a:off x="7022569" y="2836098"/>
+            <a:ext cx="206982" cy="226517"/>
+          </a:xfrm>
+          <a:prstGeom prst="rtTriangle">
+            <a:avLst/>
+          </a:prstGeom>
+          <a:noFill/>
+        </p:spPr>
+        <p:style>
+          <a:lnRef idx="2">
+            <a:schemeClr val="accent1">
+              <a:shade val="50000"/>
+            </a:schemeClr>
+          </a:lnRef>
+          <a:fillRef idx="1">
+            <a:schemeClr val="accent1"/>
+          </a:fillRef>
+          <a:effectRef idx="0">
+            <a:schemeClr val="accent1"/>
+          </a:effectRef>
+          <a:fontRef idx="minor">
+            <a:schemeClr val="lt1"/>
+          </a:fontRef>
+        </p:style>
+        <p:txBody>
+          <a:bodyPr rtlCol="0" anchor="ctr"/>
+          <a:lstStyle/>
+          <a:p>
+            <a:pPr algn="ctr"/>
+            <a:endParaRPr lang="zh-CN" altLang="en-US"/>
+          </a:p>
+        </p:txBody>
+      </p:sp>
+      <p:sp>
+        <p:nvSpPr>
+          <p:cNvPr id="9" name="云形 8">
+            <a:extLst>
+              <a:ext uri="{FF2B5EF4-FFF2-40B4-BE49-F238E27FC236}">
+                <a16:creationId xmlns:a16="http://schemas.microsoft.com/office/drawing/2014/main" id="{2E9EE228-4C95-486F-8E13-CB4B90181CB7}"/>
+              </a:ext>
+            </a:extLst>
+          </p:cNvPr>
+          <p:cNvSpPr/>
+          <p:nvPr/>
+        </p:nvSpPr>
+        <p:spPr>
+          <a:xfrm>
+            <a:off x="6049611" y="2178422"/>
+            <a:ext cx="750455" cy="457200"/>
+          </a:xfrm>
+          <a:prstGeom prst="cloud">
+            <a:avLst/>
+          </a:prstGeom>
+          <a:noFill/>
+        </p:spPr>
+        <p:style>
+          <a:lnRef idx="2">
+            <a:schemeClr val="accent1">
+              <a:shade val="50000"/>
+            </a:schemeClr>
+          </a:lnRef>
+          <a:fillRef idx="1">
+            <a:schemeClr val="accent1"/>
+          </a:fillRef>
+          <a:effectRef idx="0">
+            <a:schemeClr val="accent1"/>
+          </a:effectRef>
+          <a:fontRef idx="minor">
+            <a:schemeClr val="lt1"/>
+          </a:fontRef>
+        </p:style>
+        <p:txBody>
+          <a:bodyPr rtlCol="0" anchor="ctr"/>
+          <a:lstStyle/>
+          <a:p>
+            <a:pPr algn="ctr"/>
+            <a:endParaRPr lang="zh-CN" altLang="en-US" dirty="0">
+              <a:solidFill>
+                <a:schemeClr val="tx1"/>
+              </a:solidFill>
+            </a:endParaRPr>
+          </a:p>
+        </p:txBody>
+      </p:sp>
+      <p:cxnSp>
+        <p:nvCxnSpPr>
+          <p:cNvPr id="11" name="直接连接符 10">
+            <a:extLst>
+              <a:ext uri="{FF2B5EF4-FFF2-40B4-BE49-F238E27FC236}">
+                <a16:creationId xmlns:a16="http://schemas.microsoft.com/office/drawing/2014/main" id="{D199C0FA-F7E6-4CED-87B3-8B9A5B6473D8}"/>
+              </a:ext>
+            </a:extLst>
+          </p:cNvPr>
+          <p:cNvCxnSpPr>
+            <a:cxnSpLocks/>
+          </p:cNvCxnSpPr>
+          <p:nvPr/>
+        </p:nvCxnSpPr>
+        <p:spPr>
+          <a:xfrm>
+            <a:off x="5737225" y="2273178"/>
+            <a:ext cx="392916" cy="0"/>
+          </a:xfrm>
+          <a:prstGeom prst="line">
+            <a:avLst/>
+          </a:prstGeom>
+        </p:spPr>
+        <p:style>
+          <a:lnRef idx="1">
+            <a:schemeClr val="accent1"/>
+          </a:lnRef>
+          <a:fillRef idx="0">
+            <a:schemeClr val="accent1"/>
+          </a:fillRef>
+          <a:effectRef idx="0">
+            <a:schemeClr val="accent1"/>
+          </a:effectRef>
+          <a:fontRef idx="minor">
+            <a:schemeClr val="tx1"/>
+          </a:fontRef>
+        </p:style>
+      </p:cxnSp>
+      <p:cxnSp>
+        <p:nvCxnSpPr>
+          <p:cNvPr id="13" name="直接连接符 12">
+            <a:extLst>
+              <a:ext uri="{FF2B5EF4-FFF2-40B4-BE49-F238E27FC236}">
+                <a16:creationId xmlns:a16="http://schemas.microsoft.com/office/drawing/2014/main" id="{DBE3D6B6-7578-4046-B14D-1100229AC912}"/>
+              </a:ext>
+            </a:extLst>
+          </p:cNvPr>
+          <p:cNvCxnSpPr>
+            <a:cxnSpLocks/>
+          </p:cNvCxnSpPr>
+          <p:nvPr/>
+        </p:nvCxnSpPr>
+        <p:spPr>
+          <a:xfrm>
+            <a:off x="6765141" y="2273178"/>
+            <a:ext cx="360919" cy="0"/>
+          </a:xfrm>
+          <a:prstGeom prst="line">
+            <a:avLst/>
+          </a:prstGeom>
+        </p:spPr>
+        <p:style>
+          <a:lnRef idx="1">
+            <a:schemeClr val="accent1"/>
+          </a:lnRef>
+          <a:fillRef idx="0">
+            <a:schemeClr val="accent1"/>
+          </a:fillRef>
+          <a:effectRef idx="0">
+            <a:schemeClr val="accent1"/>
+          </a:effectRef>
+          <a:fontRef idx="minor">
+            <a:schemeClr val="tx1"/>
+          </a:fontRef>
+        </p:style>
+      </p:cxnSp>
+      <p:cxnSp>
+        <p:nvCxnSpPr>
+          <p:cNvPr id="15" name="直接连接符 14">
+            <a:extLst>
+              <a:ext uri="{FF2B5EF4-FFF2-40B4-BE49-F238E27FC236}">
+                <a16:creationId xmlns:a16="http://schemas.microsoft.com/office/drawing/2014/main" id="{2E76F9B4-70BD-4A49-8DE6-84061B1B0A9F}"/>
+              </a:ext>
+            </a:extLst>
+          </p:cNvPr>
+          <p:cNvCxnSpPr>
+            <a:cxnSpLocks/>
+          </p:cNvCxnSpPr>
+          <p:nvPr/>
+        </p:nvCxnSpPr>
+        <p:spPr>
+          <a:xfrm flipH="1">
+            <a:off x="4912838" y="2944496"/>
+            <a:ext cx="252659" cy="0"/>
+          </a:xfrm>
+          <a:prstGeom prst="line">
+            <a:avLst/>
+          </a:prstGeom>
+        </p:spPr>
+        <p:style>
+          <a:lnRef idx="1">
+            <a:schemeClr val="accent1"/>
+          </a:lnRef>
+          <a:fillRef idx="0">
+            <a:schemeClr val="accent1"/>
+          </a:fillRef>
+          <a:effectRef idx="0">
+            <a:schemeClr val="accent1"/>
+          </a:effectRef>
+          <a:fontRef idx="minor">
+            <a:schemeClr val="tx1"/>
+          </a:fontRef>
+        </p:style>
+      </p:cxnSp>
+      <p:cxnSp>
+        <p:nvCxnSpPr>
+          <p:cNvPr id="17" name="直接连接符 16">
+            <a:extLst>
+              <a:ext uri="{FF2B5EF4-FFF2-40B4-BE49-F238E27FC236}">
+                <a16:creationId xmlns:a16="http://schemas.microsoft.com/office/drawing/2014/main" id="{8033AD3B-8012-4BA8-9FA6-C45872650601}"/>
+              </a:ext>
+            </a:extLst>
+          </p:cNvPr>
+          <p:cNvCxnSpPr>
+            <a:cxnSpLocks/>
+          </p:cNvCxnSpPr>
+          <p:nvPr/>
+        </p:nvCxnSpPr>
+        <p:spPr>
+          <a:xfrm>
+            <a:off x="4912838" y="2942599"/>
+            <a:ext cx="0" cy="439836"/>
+          </a:xfrm>
+          <a:prstGeom prst="line">
+            <a:avLst/>
+          </a:prstGeom>
+        </p:spPr>
+        <p:style>
+          <a:lnRef idx="1">
+            <a:schemeClr val="accent1"/>
+          </a:lnRef>
+          <a:fillRef idx="0">
+            <a:schemeClr val="accent1"/>
+          </a:fillRef>
+          <a:effectRef idx="0">
+            <a:schemeClr val="accent1"/>
+          </a:effectRef>
+          <a:fontRef idx="minor">
+            <a:schemeClr val="tx1"/>
+          </a:fontRef>
+        </p:style>
+      </p:cxnSp>
+      <p:sp>
+        <p:nvSpPr>
+          <p:cNvPr id="27" name="云形 26">
+            <a:extLst>
+              <a:ext uri="{FF2B5EF4-FFF2-40B4-BE49-F238E27FC236}">
+                <a16:creationId xmlns:a16="http://schemas.microsoft.com/office/drawing/2014/main" id="{C56693F8-E840-4E92-B5B7-3AEA781C0481}"/>
+              </a:ext>
+            </a:extLst>
+          </p:cNvPr>
+          <p:cNvSpPr/>
+          <p:nvPr/>
+        </p:nvSpPr>
+        <p:spPr>
+          <a:xfrm>
+            <a:off x="8014399" y="2178422"/>
+            <a:ext cx="750455" cy="457200"/>
+          </a:xfrm>
+          <a:prstGeom prst="cloud">
+            <a:avLst/>
+          </a:prstGeom>
+          <a:noFill/>
+        </p:spPr>
+        <p:style>
+          <a:lnRef idx="2">
+            <a:schemeClr val="accent1">
+              <a:shade val="50000"/>
+            </a:schemeClr>
+          </a:lnRef>
+          <a:fillRef idx="1">
+            <a:schemeClr val="accent1"/>
+          </a:fillRef>
+          <a:effectRef idx="0">
+            <a:schemeClr val="accent1"/>
+          </a:effectRef>
+          <a:fontRef idx="minor">
+            <a:schemeClr val="lt1"/>
+          </a:fontRef>
+        </p:style>
+        <p:txBody>
+          <a:bodyPr rtlCol="0" anchor="ctr"/>
+          <a:lstStyle/>
+          <a:p>
+            <a:pPr algn="ctr"/>
+            <a:endParaRPr lang="zh-CN" altLang="en-US" dirty="0">
+              <a:solidFill>
+                <a:schemeClr val="tx1"/>
+              </a:solidFill>
+            </a:endParaRPr>
+          </a:p>
+        </p:txBody>
+      </p:sp>
+      <p:cxnSp>
+        <p:nvCxnSpPr>
+          <p:cNvPr id="28" name="直接连接符 27">
+            <a:extLst>
+              <a:ext uri="{FF2B5EF4-FFF2-40B4-BE49-F238E27FC236}">
+                <a16:creationId xmlns:a16="http://schemas.microsoft.com/office/drawing/2014/main" id="{516C6256-863A-4A40-954E-364821ECF6D9}"/>
+              </a:ext>
+            </a:extLst>
+          </p:cNvPr>
+          <p:cNvCxnSpPr>
+            <a:cxnSpLocks/>
+          </p:cNvCxnSpPr>
+          <p:nvPr/>
+        </p:nvCxnSpPr>
+        <p:spPr>
+          <a:xfrm>
+            <a:off x="7702013" y="2273178"/>
+            <a:ext cx="392916" cy="0"/>
+          </a:xfrm>
+          <a:prstGeom prst="line">
+            <a:avLst/>
+          </a:prstGeom>
+        </p:spPr>
+        <p:style>
+          <a:lnRef idx="1">
+            <a:schemeClr val="accent1"/>
+          </a:lnRef>
+          <a:fillRef idx="0">
+            <a:schemeClr val="accent1"/>
+          </a:fillRef>
+          <a:effectRef idx="0">
+            <a:schemeClr val="accent1"/>
+          </a:effectRef>
+          <a:fontRef idx="minor">
+            <a:schemeClr val="tx1"/>
+          </a:fontRef>
+        </p:style>
+      </p:cxnSp>
+      <p:cxnSp>
+        <p:nvCxnSpPr>
+          <p:cNvPr id="29" name="直接连接符 28">
+            <a:extLst>
+              <a:ext uri="{FF2B5EF4-FFF2-40B4-BE49-F238E27FC236}">
+                <a16:creationId xmlns:a16="http://schemas.microsoft.com/office/drawing/2014/main" id="{59180363-9369-4BE3-92E2-7D92DC67EF6E}"/>
+              </a:ext>
+            </a:extLst>
+          </p:cNvPr>
+          <p:cNvCxnSpPr>
+            <a:cxnSpLocks/>
+            <a:endCxn id="74" idx="1"/>
+          </p:cNvCxnSpPr>
+          <p:nvPr/>
+        </p:nvCxnSpPr>
+        <p:spPr>
+          <a:xfrm flipV="1">
+            <a:off x="8729929" y="2265691"/>
+            <a:ext cx="1008249" cy="7487"/>
+          </a:xfrm>
+          <a:prstGeom prst="line">
+            <a:avLst/>
+          </a:prstGeom>
+        </p:spPr>
+        <p:style>
+          <a:lnRef idx="1">
+            <a:schemeClr val="accent1"/>
+          </a:lnRef>
+          <a:fillRef idx="0">
+            <a:schemeClr val="accent1"/>
+          </a:fillRef>
+          <a:effectRef idx="0">
+            <a:schemeClr val="accent1"/>
+          </a:effectRef>
+          <a:fontRef idx="minor">
+            <a:schemeClr val="tx1"/>
+          </a:fontRef>
+        </p:style>
+      </p:cxnSp>
+      <p:sp>
+        <p:nvSpPr>
+          <p:cNvPr id="30" name="云形 29">
+            <a:extLst>
+              <a:ext uri="{FF2B5EF4-FFF2-40B4-BE49-F238E27FC236}">
+                <a16:creationId xmlns:a16="http://schemas.microsoft.com/office/drawing/2014/main" id="{F6C9A05F-8DE4-4C68-80B6-80D7BCA73895}"/>
+              </a:ext>
+            </a:extLst>
+          </p:cNvPr>
+          <p:cNvSpPr/>
+          <p:nvPr/>
+        </p:nvSpPr>
+        <p:spPr>
+          <a:xfrm>
+            <a:off x="4087486" y="2178422"/>
+            <a:ext cx="750455" cy="457200"/>
+          </a:xfrm>
+          <a:prstGeom prst="cloud">
+            <a:avLst/>
+          </a:prstGeom>
+          <a:noFill/>
+        </p:spPr>
+        <p:style>
+          <a:lnRef idx="2">
+            <a:schemeClr val="accent1">
+              <a:shade val="50000"/>
+            </a:schemeClr>
+          </a:lnRef>
+          <a:fillRef idx="1">
+            <a:schemeClr val="accent1"/>
+          </a:fillRef>
+          <a:effectRef idx="0">
+            <a:schemeClr val="accent1"/>
+          </a:effectRef>
+          <a:fontRef idx="minor">
+            <a:schemeClr val="lt1"/>
+          </a:fontRef>
+        </p:style>
+        <p:txBody>
+          <a:bodyPr rtlCol="0" anchor="ctr"/>
+          <a:lstStyle/>
+          <a:p>
+            <a:pPr algn="ctr"/>
+            <a:endParaRPr lang="zh-CN" altLang="en-US" dirty="0">
+              <a:solidFill>
+                <a:schemeClr val="tx1"/>
+              </a:solidFill>
+            </a:endParaRPr>
+          </a:p>
+        </p:txBody>
+      </p:sp>
+      <p:cxnSp>
+        <p:nvCxnSpPr>
+          <p:cNvPr id="31" name="直接连接符 30">
+            <a:extLst>
+              <a:ext uri="{FF2B5EF4-FFF2-40B4-BE49-F238E27FC236}">
+                <a16:creationId xmlns:a16="http://schemas.microsoft.com/office/drawing/2014/main" id="{49467B32-5D21-4AF2-84BC-3F3C8417F943}"/>
+              </a:ext>
+            </a:extLst>
+          </p:cNvPr>
+          <p:cNvCxnSpPr>
+            <a:cxnSpLocks/>
+            <a:stCxn id="72" idx="3"/>
+          </p:cNvCxnSpPr>
+          <p:nvPr/>
+        </p:nvCxnSpPr>
+        <p:spPr>
+          <a:xfrm>
+            <a:off x="3052909" y="2272145"/>
+            <a:ext cx="1115107" cy="1033"/>
+          </a:xfrm>
+          <a:prstGeom prst="line">
+            <a:avLst/>
+          </a:prstGeom>
+        </p:spPr>
+        <p:style>
+          <a:lnRef idx="1">
+            <a:schemeClr val="accent1"/>
+          </a:lnRef>
+          <a:fillRef idx="0">
+            <a:schemeClr val="accent1"/>
+          </a:fillRef>
+          <a:effectRef idx="0">
+            <a:schemeClr val="accent1"/>
+          </a:effectRef>
+          <a:fontRef idx="minor">
+            <a:schemeClr val="tx1"/>
+          </a:fontRef>
+        </p:style>
+      </p:cxnSp>
+      <p:cxnSp>
+        <p:nvCxnSpPr>
+          <p:cNvPr id="32" name="直接连接符 31">
+            <a:extLst>
+              <a:ext uri="{FF2B5EF4-FFF2-40B4-BE49-F238E27FC236}">
+                <a16:creationId xmlns:a16="http://schemas.microsoft.com/office/drawing/2014/main" id="{AA865804-74A0-4A1F-8BE6-003F775ED632}"/>
+              </a:ext>
+            </a:extLst>
+          </p:cNvPr>
+          <p:cNvCxnSpPr>
+            <a:cxnSpLocks/>
+          </p:cNvCxnSpPr>
+          <p:nvPr/>
+        </p:nvCxnSpPr>
+        <p:spPr>
+          <a:xfrm>
+            <a:off x="4803016" y="2273178"/>
+            <a:ext cx="360919" cy="0"/>
+          </a:xfrm>
+          <a:prstGeom prst="line">
+            <a:avLst/>
+          </a:prstGeom>
+        </p:spPr>
+        <p:style>
+          <a:lnRef idx="1">
+            <a:schemeClr val="accent1"/>
+          </a:lnRef>
+          <a:fillRef idx="0">
+            <a:schemeClr val="accent1"/>
+          </a:fillRef>
+          <a:effectRef idx="0">
+            <a:schemeClr val="accent1"/>
+          </a:effectRef>
+          <a:fontRef idx="minor">
+            <a:schemeClr val="tx1"/>
+          </a:fontRef>
+        </p:style>
+      </p:cxnSp>
+      <p:sp>
+        <p:nvSpPr>
+          <p:cNvPr id="50" name="矩形 49">
+            <a:extLst>
+              <a:ext uri="{FF2B5EF4-FFF2-40B4-BE49-F238E27FC236}">
+                <a16:creationId xmlns:a16="http://schemas.microsoft.com/office/drawing/2014/main" id="{32622384-1388-416C-B605-D6E1FABCC88E}"/>
+              </a:ext>
+            </a:extLst>
+          </p:cNvPr>
+          <p:cNvSpPr/>
+          <p:nvPr/>
+        </p:nvSpPr>
+        <p:spPr>
+          <a:xfrm>
+            <a:off x="1353739" y="1708146"/>
+            <a:ext cx="302938" cy="2703834"/>
+          </a:xfrm>
+          <a:prstGeom prst="rect">
+            <a:avLst/>
+          </a:prstGeom>
+          <a:solidFill>
+            <a:schemeClr val="bg1"/>
+          </a:solidFill>
+          <a:ln>
+            <a:solidFill>
+              <a:schemeClr val="bg1"/>
+            </a:solidFill>
+            <a:prstDash val="lgDash"/>
+          </a:ln>
+        </p:spPr>
+        <p:style>
+          <a:lnRef idx="2">
+            <a:schemeClr val="accent1">
+              <a:shade val="50000"/>
+            </a:schemeClr>
+          </a:lnRef>
+          <a:fillRef idx="1">
+            <a:schemeClr val="accent1"/>
+          </a:fillRef>
+          <a:effectRef idx="0">
+            <a:schemeClr val="accent1"/>
+          </a:effectRef>
+          <a:fontRef idx="minor">
+            <a:schemeClr val="lt1"/>
+          </a:fontRef>
+        </p:style>
+        <p:txBody>
+          <a:bodyPr rtlCol="0" anchor="ctr"/>
+          <a:lstStyle/>
+          <a:p>
+            <a:pPr algn="ctr"/>
+            <a:endParaRPr lang="zh-CN" altLang="en-US"/>
+          </a:p>
+        </p:txBody>
+      </p:sp>
+      <p:sp>
+        <p:nvSpPr>
+          <p:cNvPr id="51" name="矩形 50">
+            <a:extLst>
+              <a:ext uri="{FF2B5EF4-FFF2-40B4-BE49-F238E27FC236}">
+                <a16:creationId xmlns:a16="http://schemas.microsoft.com/office/drawing/2014/main" id="{2BFEC288-E90C-4ABB-877F-510EAD6A2B76}"/>
+              </a:ext>
+            </a:extLst>
+          </p:cNvPr>
+          <p:cNvSpPr/>
+          <p:nvPr/>
+        </p:nvSpPr>
+        <p:spPr>
+          <a:xfrm>
+            <a:off x="11178511" y="1722268"/>
+            <a:ext cx="302938" cy="2689712"/>
+          </a:xfrm>
+          <a:prstGeom prst="rect">
+            <a:avLst/>
+          </a:prstGeom>
+          <a:solidFill>
+            <a:schemeClr val="bg1"/>
+          </a:solidFill>
+          <a:ln>
+            <a:solidFill>
+              <a:schemeClr val="bg1"/>
+            </a:solidFill>
+            <a:prstDash val="lgDash"/>
+          </a:ln>
+        </p:spPr>
+        <p:style>
+          <a:lnRef idx="2">
+            <a:schemeClr val="accent1">
+              <a:shade val="50000"/>
+            </a:schemeClr>
+          </a:lnRef>
+          <a:fillRef idx="1">
+            <a:schemeClr val="accent1"/>
+          </a:fillRef>
+          <a:effectRef idx="0">
+            <a:schemeClr val="accent1"/>
+          </a:effectRef>
+          <a:fontRef idx="minor">
+            <a:schemeClr val="lt1"/>
+          </a:fontRef>
+        </p:style>
+        <p:txBody>
+          <a:bodyPr rtlCol="0" anchor="ctr"/>
+          <a:lstStyle/>
+          <a:p>
+            <a:pPr algn="ctr"/>
+            <a:endParaRPr lang="zh-CN" altLang="en-US"/>
+          </a:p>
+        </p:txBody>
+      </p:sp>
+      <p:cxnSp>
+        <p:nvCxnSpPr>
+          <p:cNvPr id="52" name="直接连接符 51">
+            <a:extLst>
+              <a:ext uri="{FF2B5EF4-FFF2-40B4-BE49-F238E27FC236}">
+                <a16:creationId xmlns:a16="http://schemas.microsoft.com/office/drawing/2014/main" id="{495B5168-FF1C-429A-AED8-2CF05E900BBD}"/>
+              </a:ext>
+            </a:extLst>
+          </p:cNvPr>
+          <p:cNvCxnSpPr>
+            <a:cxnSpLocks/>
+          </p:cNvCxnSpPr>
+          <p:nvPr/>
+        </p:nvCxnSpPr>
+        <p:spPr>
+          <a:xfrm flipH="1">
+            <a:off x="6867092" y="2942552"/>
+            <a:ext cx="252659" cy="0"/>
+          </a:xfrm>
+          <a:prstGeom prst="line">
+            <a:avLst/>
+          </a:prstGeom>
+        </p:spPr>
+        <p:style>
+          <a:lnRef idx="1">
+            <a:schemeClr val="accent1"/>
+          </a:lnRef>
+          <a:fillRef idx="0">
+            <a:schemeClr val="accent1"/>
+          </a:fillRef>
+          <a:effectRef idx="0">
+            <a:schemeClr val="accent1"/>
+          </a:effectRef>
+          <a:fontRef idx="minor">
+            <a:schemeClr val="tx1"/>
+          </a:fontRef>
+        </p:style>
+      </p:cxnSp>
+      <p:cxnSp>
+        <p:nvCxnSpPr>
+          <p:cNvPr id="53" name="直接连接符 52">
+            <a:extLst>
+              <a:ext uri="{FF2B5EF4-FFF2-40B4-BE49-F238E27FC236}">
+                <a16:creationId xmlns:a16="http://schemas.microsoft.com/office/drawing/2014/main" id="{9213E74C-4AC8-433B-AFA0-19617AE76794}"/>
+              </a:ext>
+            </a:extLst>
+          </p:cNvPr>
+          <p:cNvCxnSpPr>
+            <a:cxnSpLocks/>
+          </p:cNvCxnSpPr>
+          <p:nvPr/>
+        </p:nvCxnSpPr>
+        <p:spPr>
+          <a:xfrm>
+            <a:off x="6867092" y="2940655"/>
+            <a:ext cx="0" cy="439836"/>
+          </a:xfrm>
+          <a:prstGeom prst="line">
+            <a:avLst/>
+          </a:prstGeom>
+        </p:spPr>
+        <p:style>
+          <a:lnRef idx="1">
+            <a:schemeClr val="accent1"/>
+          </a:lnRef>
+          <a:fillRef idx="0">
+            <a:schemeClr val="accent1"/>
+          </a:fillRef>
+          <a:effectRef idx="0">
+            <a:schemeClr val="accent1"/>
+          </a:effectRef>
+          <a:fontRef idx="minor">
+            <a:schemeClr val="tx1"/>
+          </a:fontRef>
+        </p:style>
+      </p:cxnSp>
+      <p:sp>
+        <p:nvSpPr>
+          <p:cNvPr id="56" name="文本框 55">
+            <a:extLst>
+              <a:ext uri="{FF2B5EF4-FFF2-40B4-BE49-F238E27FC236}">
+                <a16:creationId xmlns:a16="http://schemas.microsoft.com/office/drawing/2014/main" id="{18BD7A2C-475A-4BF1-9D41-F64A075A7428}"/>
+              </a:ext>
+            </a:extLst>
+          </p:cNvPr>
+          <p:cNvSpPr txBox="1"/>
+          <p:nvPr/>
+        </p:nvSpPr>
+        <p:spPr>
+          <a:xfrm>
+            <a:off x="3933212" y="1302748"/>
+            <a:ext cx="1154483" cy="261610"/>
+          </a:xfrm>
+          <a:prstGeom prst="rect">
+            <a:avLst/>
+          </a:prstGeom>
+          <a:noFill/>
+        </p:spPr>
+        <p:txBody>
+          <a:bodyPr wrap="none" rtlCol="0">
+            <a:spAutoFit/>
+          </a:bodyPr>
+          <a:lstStyle/>
+          <a:p>
+            <a:r>
+              <a:rPr lang="en-US" altLang="zh-CN" sz="1100" dirty="0"/>
+              <a:t>input to register</a:t>
+            </a:r>
+            <a:endParaRPr lang="zh-CN" altLang="en-US" sz="1100" dirty="0"/>
+          </a:p>
+        </p:txBody>
+      </p:sp>
+      <p:sp>
+        <p:nvSpPr>
+          <p:cNvPr id="41" name="云形 40">
+            <a:extLst>
+              <a:ext uri="{FF2B5EF4-FFF2-40B4-BE49-F238E27FC236}">
+                <a16:creationId xmlns:a16="http://schemas.microsoft.com/office/drawing/2014/main" id="{AA29CBF2-A473-4220-8308-5AAE76B98D64}"/>
+              </a:ext>
+            </a:extLst>
+          </p:cNvPr>
+          <p:cNvSpPr/>
+          <p:nvPr/>
+        </p:nvSpPr>
+        <p:spPr>
+          <a:xfrm>
+            <a:off x="5752953" y="3608851"/>
+            <a:ext cx="1329281" cy="614539"/>
+          </a:xfrm>
+          <a:prstGeom prst="cloud">
+            <a:avLst/>
+          </a:prstGeom>
+          <a:noFill/>
+        </p:spPr>
+        <p:style>
+          <a:lnRef idx="2">
+            <a:schemeClr val="accent1">
+              <a:shade val="50000"/>
+            </a:schemeClr>
+          </a:lnRef>
+          <a:fillRef idx="1">
+            <a:schemeClr val="accent1"/>
+          </a:fillRef>
+          <a:effectRef idx="0">
+            <a:schemeClr val="accent1"/>
+          </a:effectRef>
+          <a:fontRef idx="minor">
+            <a:schemeClr val="lt1"/>
+          </a:fontRef>
+        </p:style>
+        <p:txBody>
+          <a:bodyPr rtlCol="0" anchor="ctr"/>
+          <a:lstStyle/>
+          <a:p>
+            <a:pPr algn="ctr"/>
+            <a:endParaRPr lang="zh-CN" altLang="en-US" dirty="0">
+              <a:solidFill>
+                <a:schemeClr val="tx1"/>
+              </a:solidFill>
+            </a:endParaRPr>
+          </a:p>
+        </p:txBody>
+      </p:sp>
+      <p:cxnSp>
+        <p:nvCxnSpPr>
+          <p:cNvPr id="44" name="直接连接符 43">
+            <a:extLst>
+              <a:ext uri="{FF2B5EF4-FFF2-40B4-BE49-F238E27FC236}">
+                <a16:creationId xmlns:a16="http://schemas.microsoft.com/office/drawing/2014/main" id="{65B6829A-EB01-4257-9AA0-E8EFD2E2BC13}"/>
+              </a:ext>
+            </a:extLst>
+          </p:cNvPr>
+          <p:cNvCxnSpPr>
+            <a:cxnSpLocks/>
+            <a:endCxn id="41" idx="2"/>
+          </p:cNvCxnSpPr>
+          <p:nvPr/>
+        </p:nvCxnSpPr>
+        <p:spPr>
+          <a:xfrm>
+            <a:off x="4476932" y="3916073"/>
+            <a:ext cx="1280144" cy="48"/>
+          </a:xfrm>
+          <a:prstGeom prst="line">
+            <a:avLst/>
+          </a:prstGeom>
+        </p:spPr>
+        <p:style>
+          <a:lnRef idx="1">
+            <a:schemeClr val="accent1"/>
+          </a:lnRef>
+          <a:fillRef idx="0">
+            <a:schemeClr val="accent1"/>
+          </a:fillRef>
+          <a:effectRef idx="0">
+            <a:schemeClr val="accent1"/>
+          </a:effectRef>
+          <a:fontRef idx="minor">
+            <a:schemeClr val="tx1"/>
+          </a:fontRef>
+        </p:style>
+      </p:cxnSp>
+      <p:cxnSp>
+        <p:nvCxnSpPr>
+          <p:cNvPr id="45" name="直接连接符 44">
+            <a:extLst>
+              <a:ext uri="{FF2B5EF4-FFF2-40B4-BE49-F238E27FC236}">
+                <a16:creationId xmlns:a16="http://schemas.microsoft.com/office/drawing/2014/main" id="{06810195-29D5-4735-A029-98964D2F48BA}"/>
+              </a:ext>
+            </a:extLst>
+          </p:cNvPr>
+          <p:cNvCxnSpPr>
+            <a:cxnSpLocks/>
+            <a:endCxn id="41" idx="0"/>
+          </p:cNvCxnSpPr>
+          <p:nvPr/>
+        </p:nvCxnSpPr>
+        <p:spPr>
+          <a:xfrm flipH="1" flipV="1">
+            <a:off x="7081126" y="3916121"/>
+            <a:ext cx="1308500" cy="7060"/>
+          </a:xfrm>
+          <a:prstGeom prst="line">
+            <a:avLst/>
+          </a:prstGeom>
+        </p:spPr>
+        <p:style>
+          <a:lnRef idx="1">
+            <a:schemeClr val="accent1"/>
+          </a:lnRef>
+          <a:fillRef idx="0">
+            <a:schemeClr val="accent1"/>
+          </a:fillRef>
+          <a:effectRef idx="0">
+            <a:schemeClr val="accent1"/>
+          </a:effectRef>
+          <a:fontRef idx="minor">
+            <a:schemeClr val="tx1"/>
+          </a:fontRef>
+        </p:style>
+      </p:cxnSp>
+      <p:cxnSp>
+        <p:nvCxnSpPr>
+          <p:cNvPr id="14" name="直接连接符 13">
+            <a:extLst>
+              <a:ext uri="{FF2B5EF4-FFF2-40B4-BE49-F238E27FC236}">
+                <a16:creationId xmlns:a16="http://schemas.microsoft.com/office/drawing/2014/main" id="{4A45D66D-3103-4759-83FB-1F151762BC7E}"/>
+              </a:ext>
+            </a:extLst>
+          </p:cNvPr>
+          <p:cNvCxnSpPr>
+            <a:cxnSpLocks/>
+            <a:stCxn id="30" idx="1"/>
+          </p:cNvCxnSpPr>
+          <p:nvPr/>
+        </p:nvCxnSpPr>
+        <p:spPr>
+          <a:xfrm>
+            <a:off x="4462714" y="2635135"/>
+            <a:ext cx="19938" cy="1280938"/>
+          </a:xfrm>
+          <a:prstGeom prst="line">
+            <a:avLst/>
+          </a:prstGeom>
+        </p:spPr>
+        <p:style>
+          <a:lnRef idx="1">
+            <a:schemeClr val="accent1"/>
+          </a:lnRef>
+          <a:fillRef idx="0">
+            <a:schemeClr val="accent1"/>
+          </a:fillRef>
+          <a:effectRef idx="0">
+            <a:schemeClr val="accent1"/>
+          </a:effectRef>
+          <a:fontRef idx="minor">
+            <a:schemeClr val="tx1"/>
+          </a:fontRef>
+        </p:style>
+      </p:cxnSp>
+      <p:cxnSp>
+        <p:nvCxnSpPr>
+          <p:cNvPr id="57" name="直接连接符 56">
+            <a:extLst>
+              <a:ext uri="{FF2B5EF4-FFF2-40B4-BE49-F238E27FC236}">
+                <a16:creationId xmlns:a16="http://schemas.microsoft.com/office/drawing/2014/main" id="{DFB03899-981B-474D-BF0D-91E1BDE9B3F8}"/>
+              </a:ext>
+            </a:extLst>
+          </p:cNvPr>
+          <p:cNvCxnSpPr>
+            <a:cxnSpLocks/>
+            <a:stCxn id="27" idx="1"/>
+          </p:cNvCxnSpPr>
+          <p:nvPr/>
+        </p:nvCxnSpPr>
+        <p:spPr>
+          <a:xfrm>
+            <a:off x="8389627" y="2635135"/>
+            <a:ext cx="9329" cy="1288046"/>
+          </a:xfrm>
+          <a:prstGeom prst="line">
+            <a:avLst/>
+          </a:prstGeom>
+        </p:spPr>
+        <p:style>
+          <a:lnRef idx="1">
+            <a:schemeClr val="accent1"/>
+          </a:lnRef>
+          <a:fillRef idx="0">
+            <a:schemeClr val="accent1"/>
+          </a:fillRef>
+          <a:effectRef idx="0">
+            <a:schemeClr val="accent1"/>
+          </a:effectRef>
+          <a:fontRef idx="minor">
+            <a:schemeClr val="tx1"/>
+          </a:fontRef>
+        </p:style>
+      </p:cxnSp>
+      <p:sp>
+        <p:nvSpPr>
+          <p:cNvPr id="66" name="任意多边形: 形状 65">
+            <a:extLst>
+              <a:ext uri="{FF2B5EF4-FFF2-40B4-BE49-F238E27FC236}">
+                <a16:creationId xmlns:a16="http://schemas.microsoft.com/office/drawing/2014/main" id="{C80E3A97-4A74-F22B-E37A-50A9E7794E29}"/>
+              </a:ext>
+            </a:extLst>
+          </p:cNvPr>
+          <p:cNvSpPr/>
+          <p:nvPr/>
+        </p:nvSpPr>
+        <p:spPr>
+          <a:xfrm>
+            <a:off x="3507179" y="1553093"/>
+            <a:ext cx="1607127" cy="719052"/>
+          </a:xfrm>
+          <a:custGeom>
+            <a:avLst/>
+            <a:gdLst>
+              <a:gd name="connsiteX0" fmla="*/ 0 w 1607127"/>
+              <a:gd name="connsiteY0" fmla="*/ 719052 h 719052"/>
+              <a:gd name="connsiteX1" fmla="*/ 459179 w 1607127"/>
+              <a:gd name="connsiteY1" fmla="*/ 156954 h 719052"/>
+              <a:gd name="connsiteX2" fmla="*/ 870857 w 1607127"/>
+              <a:gd name="connsiteY2" fmla="*/ 26325 h 719052"/>
+              <a:gd name="connsiteX3" fmla="*/ 1286494 w 1607127"/>
+              <a:gd name="connsiteY3" fmla="*/ 69868 h 719052"/>
+              <a:gd name="connsiteX4" fmla="*/ 1607127 w 1607127"/>
+              <a:gd name="connsiteY4" fmla="*/ 707177 h 719052"/>
+            </a:gdLst>
+            <a:ahLst/>
+            <a:cxnLst>
+              <a:cxn ang="0">
+                <a:pos x="connsiteX0" y="connsiteY0"/>
+              </a:cxn>
+              <a:cxn ang="0">
+                <a:pos x="connsiteX1" y="connsiteY1"/>
+              </a:cxn>
+              <a:cxn ang="0">
+                <a:pos x="connsiteX2" y="connsiteY2"/>
+              </a:cxn>
+              <a:cxn ang="0">
+                <a:pos x="connsiteX3" y="connsiteY3"/>
+              </a:cxn>
+              <a:cxn ang="0">
+                <a:pos x="connsiteX4" y="connsiteY4"/>
+              </a:cxn>
+            </a:cxnLst>
+            <a:rect l="l" t="t" r="r" b="b"/>
+            <a:pathLst>
+              <a:path w="1607127" h="719052">
+                <a:moveTo>
+                  <a:pt x="0" y="719052"/>
+                </a:moveTo>
+                <a:cubicBezTo>
+                  <a:pt x="157018" y="495730"/>
+                  <a:pt x="314036" y="272408"/>
+                  <a:pt x="459179" y="156954"/>
+                </a:cubicBezTo>
+                <a:cubicBezTo>
+                  <a:pt x="604322" y="41500"/>
+                  <a:pt x="732971" y="40839"/>
+                  <a:pt x="870857" y="26325"/>
+                </a:cubicBezTo>
+                <a:cubicBezTo>
+                  <a:pt x="1008743" y="11811"/>
+                  <a:pt x="1163782" y="-43607"/>
+                  <a:pt x="1286494" y="69868"/>
+                </a:cubicBezTo>
+                <a:cubicBezTo>
+                  <a:pt x="1409206" y="183343"/>
+                  <a:pt x="1508166" y="445260"/>
+                  <a:pt x="1607127" y="707177"/>
+                </a:cubicBezTo>
+              </a:path>
+            </a:pathLst>
+          </a:custGeom>
+          <a:ln w="19050" cap="flat" cmpd="sng" algn="ctr">
+            <a:solidFill>
+              <a:schemeClr val="accent6"/>
+            </a:solidFill>
+            <a:prstDash val="solid"/>
+            <a:round/>
+            <a:headEnd type="none" w="med" len="med"/>
+            <a:tailEnd type="arrow" w="med" len="med"/>
+          </a:ln>
+        </p:spPr>
+        <p:style>
+          <a:lnRef idx="0">
+            <a:scrgbClr r="0" g="0" b="0"/>
+          </a:lnRef>
+          <a:fillRef idx="0">
+            <a:scrgbClr r="0" g="0" b="0"/>
+          </a:fillRef>
+          <a:effectRef idx="0">
+            <a:scrgbClr r="0" g="0" b="0"/>
+          </a:effectRef>
+          <a:fontRef idx="minor">
+            <a:schemeClr val="tx1"/>
+          </a:fontRef>
+        </p:style>
+        <p:txBody>
+          <a:bodyPr rtlCol="0" anchor="ctr"/>
+          <a:lstStyle/>
+          <a:p>
+            <a:pPr algn="ctr"/>
+            <a:endParaRPr lang="zh-CN" altLang="en-US"/>
+          </a:p>
+        </p:txBody>
+      </p:sp>
+      <p:sp>
+        <p:nvSpPr>
+          <p:cNvPr id="67" name="任意多边形: 形状 66">
+            <a:extLst>
+              <a:ext uri="{FF2B5EF4-FFF2-40B4-BE49-F238E27FC236}">
+                <a16:creationId xmlns:a16="http://schemas.microsoft.com/office/drawing/2014/main" id="{A4C7AC50-EBB1-5A22-3DD3-6634D8C3DCBB}"/>
+              </a:ext>
+            </a:extLst>
+          </p:cNvPr>
+          <p:cNvSpPr/>
+          <p:nvPr/>
+        </p:nvSpPr>
+        <p:spPr>
+          <a:xfrm>
+            <a:off x="5169725" y="1797130"/>
+            <a:ext cx="1939636" cy="1140034"/>
+          </a:xfrm>
+          <a:custGeom>
+            <a:avLst/>
+            <a:gdLst>
+              <a:gd name="connsiteX0" fmla="*/ 0 w 1939636"/>
+              <a:gd name="connsiteY0" fmla="*/ 1140034 h 1140034"/>
+              <a:gd name="connsiteX1" fmla="*/ 625433 w 1939636"/>
+              <a:gd name="connsiteY1" fmla="*/ 193966 h 1140034"/>
+              <a:gd name="connsiteX2" fmla="*/ 1242950 w 1939636"/>
+              <a:gd name="connsiteY2" fmla="*/ 2 h 1140034"/>
+              <a:gd name="connsiteX3" fmla="*/ 1725880 w 1939636"/>
+              <a:gd name="connsiteY3" fmla="*/ 190008 h 1140034"/>
+              <a:gd name="connsiteX4" fmla="*/ 1939636 w 1939636"/>
+              <a:gd name="connsiteY4" fmla="*/ 467099 h 1140034"/>
+            </a:gdLst>
+            <a:ahLst/>
+            <a:cxnLst>
+              <a:cxn ang="0">
+                <a:pos x="connsiteX0" y="connsiteY0"/>
+              </a:cxn>
+              <a:cxn ang="0">
+                <a:pos x="connsiteX1" y="connsiteY1"/>
+              </a:cxn>
+              <a:cxn ang="0">
+                <a:pos x="connsiteX2" y="connsiteY2"/>
+              </a:cxn>
+              <a:cxn ang="0">
+                <a:pos x="connsiteX3" y="connsiteY3"/>
+              </a:cxn>
+              <a:cxn ang="0">
+                <a:pos x="connsiteX4" y="connsiteY4"/>
+              </a:cxn>
+            </a:cxnLst>
+            <a:rect l="l" t="t" r="r" b="b"/>
+            <a:pathLst>
+              <a:path w="1939636" h="1140034">
+                <a:moveTo>
+                  <a:pt x="0" y="1140034"/>
+                </a:moveTo>
+                <a:cubicBezTo>
+                  <a:pt x="209137" y="762002"/>
+                  <a:pt x="418275" y="383971"/>
+                  <a:pt x="625433" y="193966"/>
+                </a:cubicBezTo>
+                <a:cubicBezTo>
+                  <a:pt x="832591" y="3961"/>
+                  <a:pt x="1059542" y="662"/>
+                  <a:pt x="1242950" y="2"/>
+                </a:cubicBezTo>
+                <a:cubicBezTo>
+                  <a:pt x="1426358" y="-658"/>
+                  <a:pt x="1609766" y="112159"/>
+                  <a:pt x="1725880" y="190008"/>
+                </a:cubicBezTo>
+                <a:cubicBezTo>
+                  <a:pt x="1841994" y="267857"/>
+                  <a:pt x="1890815" y="367478"/>
+                  <a:pt x="1939636" y="467099"/>
+                </a:cubicBezTo>
+              </a:path>
+            </a:pathLst>
+          </a:custGeom>
+          <a:ln w="19050" cap="flat" cmpd="sng" algn="ctr">
+            <a:solidFill>
+              <a:schemeClr val="accent6"/>
+            </a:solidFill>
+            <a:prstDash val="solid"/>
+            <a:round/>
+            <a:headEnd type="none" w="med" len="med"/>
+            <a:tailEnd type="arrow" w="med" len="med"/>
+          </a:ln>
+        </p:spPr>
+        <p:style>
+          <a:lnRef idx="0">
+            <a:scrgbClr r="0" g="0" b="0"/>
+          </a:lnRef>
+          <a:fillRef idx="0">
+            <a:scrgbClr r="0" g="0" b="0"/>
+          </a:fillRef>
+          <a:effectRef idx="0">
+            <a:scrgbClr r="0" g="0" b="0"/>
+          </a:effectRef>
+          <a:fontRef idx="minor">
+            <a:schemeClr val="tx1"/>
+          </a:fontRef>
+        </p:style>
+        <p:txBody>
+          <a:bodyPr rtlCol="0" anchor="ctr"/>
+          <a:lstStyle/>
+          <a:p>
+            <a:pPr algn="ctr"/>
+            <a:endParaRPr lang="zh-CN" altLang="en-US"/>
+          </a:p>
+        </p:txBody>
+      </p:sp>
+      <p:sp>
+        <p:nvSpPr>
+          <p:cNvPr id="69" name="任意多边形: 形状 68">
+            <a:extLst>
+              <a:ext uri="{FF2B5EF4-FFF2-40B4-BE49-F238E27FC236}">
+                <a16:creationId xmlns:a16="http://schemas.microsoft.com/office/drawing/2014/main" id="{8AB5AD56-8A8E-7EDF-6E79-95FAAE9741EF}"/>
+              </a:ext>
+            </a:extLst>
+          </p:cNvPr>
+          <p:cNvSpPr/>
+          <p:nvPr/>
+        </p:nvSpPr>
+        <p:spPr>
+          <a:xfrm>
+            <a:off x="7133112" y="1816233"/>
+            <a:ext cx="2121724" cy="1124889"/>
+          </a:xfrm>
+          <a:custGeom>
+            <a:avLst/>
+            <a:gdLst>
+              <a:gd name="connsiteX0" fmla="*/ 0 w 2121724"/>
+              <a:gd name="connsiteY0" fmla="*/ 1124889 h 1124889"/>
+              <a:gd name="connsiteX1" fmla="*/ 597724 w 2121724"/>
+              <a:gd name="connsiteY1" fmla="*/ 222364 h 1124889"/>
+              <a:gd name="connsiteX2" fmla="*/ 1250867 w 2121724"/>
+              <a:gd name="connsiteY2" fmla="*/ 692 h 1124889"/>
+              <a:gd name="connsiteX3" fmla="*/ 1868384 w 2121724"/>
+              <a:gd name="connsiteY3" fmla="*/ 162988 h 1124889"/>
+              <a:gd name="connsiteX4" fmla="*/ 2121724 w 2121724"/>
+              <a:gd name="connsiteY4" fmla="*/ 444037 h 1124889"/>
+            </a:gdLst>
+            <a:ahLst/>
+            <a:cxnLst>
+              <a:cxn ang="0">
+                <a:pos x="connsiteX0" y="connsiteY0"/>
+              </a:cxn>
+              <a:cxn ang="0">
+                <a:pos x="connsiteX1" y="connsiteY1"/>
+              </a:cxn>
+              <a:cxn ang="0">
+                <a:pos x="connsiteX2" y="connsiteY2"/>
+              </a:cxn>
+              <a:cxn ang="0">
+                <a:pos x="connsiteX3" y="connsiteY3"/>
+              </a:cxn>
+              <a:cxn ang="0">
+                <a:pos x="connsiteX4" y="connsiteY4"/>
+              </a:cxn>
+            </a:cxnLst>
+            <a:rect l="l" t="t" r="r" b="b"/>
+            <a:pathLst>
+              <a:path w="2121724" h="1124889">
+                <a:moveTo>
+                  <a:pt x="0" y="1124889"/>
+                </a:moveTo>
+                <a:cubicBezTo>
+                  <a:pt x="194623" y="767309"/>
+                  <a:pt x="389246" y="409730"/>
+                  <a:pt x="597724" y="222364"/>
+                </a:cubicBezTo>
+                <a:cubicBezTo>
+                  <a:pt x="806202" y="34998"/>
+                  <a:pt x="1039090" y="10588"/>
+                  <a:pt x="1250867" y="692"/>
+                </a:cubicBezTo>
+                <a:cubicBezTo>
+                  <a:pt x="1462644" y="-9204"/>
+                  <a:pt x="1723241" y="89097"/>
+                  <a:pt x="1868384" y="162988"/>
+                </a:cubicBezTo>
+                <a:cubicBezTo>
+                  <a:pt x="2013527" y="236879"/>
+                  <a:pt x="2067625" y="340458"/>
+                  <a:pt x="2121724" y="444037"/>
+                </a:cubicBezTo>
+              </a:path>
+            </a:pathLst>
+          </a:custGeom>
+          <a:ln w="19050" cap="flat" cmpd="sng" algn="ctr">
+            <a:solidFill>
+              <a:schemeClr val="accent6"/>
+            </a:solidFill>
+            <a:prstDash val="solid"/>
+            <a:round/>
+            <a:headEnd type="none" w="med" len="med"/>
+            <a:tailEnd type="arrow" w="med" len="med"/>
+          </a:ln>
+        </p:spPr>
+        <p:style>
+          <a:lnRef idx="0">
+            <a:scrgbClr r="0" g="0" b="0"/>
+          </a:lnRef>
+          <a:fillRef idx="0">
+            <a:scrgbClr r="0" g="0" b="0"/>
+          </a:fillRef>
+          <a:effectRef idx="0">
+            <a:scrgbClr r="0" g="0" b="0"/>
+          </a:effectRef>
+          <a:fontRef idx="minor">
+            <a:schemeClr val="tx1"/>
+          </a:fontRef>
+        </p:style>
+        <p:txBody>
+          <a:bodyPr rtlCol="0" anchor="ctr"/>
+          <a:lstStyle/>
+          <a:p>
+            <a:pPr algn="ctr"/>
+            <a:endParaRPr lang="zh-CN" altLang="en-US"/>
+          </a:p>
+        </p:txBody>
+      </p:sp>
+      <p:sp>
+        <p:nvSpPr>
+          <p:cNvPr id="70" name="任意多边形: 形状 69">
+            <a:extLst>
+              <a:ext uri="{FF2B5EF4-FFF2-40B4-BE49-F238E27FC236}">
+                <a16:creationId xmlns:a16="http://schemas.microsoft.com/office/drawing/2014/main" id="{3D36EE9F-097B-B927-123E-9B0276A6EB1C}"/>
+              </a:ext>
+            </a:extLst>
+          </p:cNvPr>
+          <p:cNvSpPr/>
+          <p:nvPr/>
+        </p:nvSpPr>
+        <p:spPr>
+          <a:xfrm>
+            <a:off x="3321132" y="2272145"/>
+            <a:ext cx="6194962" cy="2234566"/>
+          </a:xfrm>
+          <a:custGeom>
+            <a:avLst/>
+            <a:gdLst>
+              <a:gd name="connsiteX0" fmla="*/ 0 w 6194962"/>
+              <a:gd name="connsiteY0" fmla="*/ 0 h 2234566"/>
+              <a:gd name="connsiteX1" fmla="*/ 819398 w 6194962"/>
+              <a:gd name="connsiteY1" fmla="*/ 1642754 h 2234566"/>
+              <a:gd name="connsiteX2" fmla="*/ 2632364 w 6194962"/>
+              <a:gd name="connsiteY2" fmla="*/ 2204852 h 2234566"/>
+              <a:gd name="connsiteX3" fmla="*/ 4821382 w 6194962"/>
+              <a:gd name="connsiteY3" fmla="*/ 2078182 h 2234566"/>
+              <a:gd name="connsiteX4" fmla="*/ 5656613 w 6194962"/>
+              <a:gd name="connsiteY4" fmla="*/ 1413164 h 2234566"/>
+              <a:gd name="connsiteX5" fmla="*/ 6194962 w 6194962"/>
+              <a:gd name="connsiteY5" fmla="*/ 7917 h 2234566"/>
+            </a:gdLst>
+            <a:ahLst/>
+            <a:cxnLst>
+              <a:cxn ang="0">
+                <a:pos x="connsiteX0" y="connsiteY0"/>
+              </a:cxn>
+              <a:cxn ang="0">
+                <a:pos x="connsiteX1" y="connsiteY1"/>
+              </a:cxn>
+              <a:cxn ang="0">
+                <a:pos x="connsiteX2" y="connsiteY2"/>
+              </a:cxn>
+              <a:cxn ang="0">
+                <a:pos x="connsiteX3" y="connsiteY3"/>
+              </a:cxn>
+              <a:cxn ang="0">
+                <a:pos x="connsiteX4" y="connsiteY4"/>
+              </a:cxn>
+              <a:cxn ang="0">
+                <a:pos x="connsiteX5" y="connsiteY5"/>
+              </a:cxn>
+            </a:cxnLst>
+            <a:rect l="l" t="t" r="r" b="b"/>
+            <a:pathLst>
+              <a:path w="6194962" h="2234566">
+                <a:moveTo>
+                  <a:pt x="0" y="0"/>
+                </a:moveTo>
+                <a:cubicBezTo>
+                  <a:pt x="190335" y="637639"/>
+                  <a:pt x="380671" y="1275279"/>
+                  <a:pt x="819398" y="1642754"/>
+                </a:cubicBezTo>
+                <a:cubicBezTo>
+                  <a:pt x="1258125" y="2010229"/>
+                  <a:pt x="1965367" y="2132281"/>
+                  <a:pt x="2632364" y="2204852"/>
+                </a:cubicBezTo>
+                <a:cubicBezTo>
+                  <a:pt x="3299361" y="2277423"/>
+                  <a:pt x="4317341" y="2210130"/>
+                  <a:pt x="4821382" y="2078182"/>
+                </a:cubicBezTo>
+                <a:cubicBezTo>
+                  <a:pt x="5325423" y="1946234"/>
+                  <a:pt x="5427683" y="1758208"/>
+                  <a:pt x="5656613" y="1413164"/>
+                </a:cubicBezTo>
+                <a:cubicBezTo>
+                  <a:pt x="5885543" y="1068120"/>
+                  <a:pt x="6040252" y="538018"/>
+                  <a:pt x="6194962" y="7917"/>
+                </a:cubicBezTo>
+              </a:path>
+            </a:pathLst>
+          </a:custGeom>
+          <a:ln w="19050" cap="flat" cmpd="sng" algn="ctr">
+            <a:solidFill>
+              <a:schemeClr val="accent6"/>
+            </a:solidFill>
+            <a:prstDash val="solid"/>
+            <a:round/>
+            <a:headEnd type="none" w="med" len="med"/>
+            <a:tailEnd type="arrow" w="med" len="med"/>
+          </a:ln>
+        </p:spPr>
+        <p:style>
+          <a:lnRef idx="0">
+            <a:scrgbClr r="0" g="0" b="0"/>
+          </a:lnRef>
+          <a:fillRef idx="0">
+            <a:scrgbClr r="0" g="0" b="0"/>
+          </a:fillRef>
+          <a:effectRef idx="0">
+            <a:scrgbClr r="0" g="0" b="0"/>
+          </a:effectRef>
+          <a:fontRef idx="minor">
+            <a:schemeClr val="tx1"/>
+          </a:fontRef>
+        </p:style>
+        <p:txBody>
+          <a:bodyPr rtlCol="0" anchor="ctr"/>
+          <a:lstStyle/>
+          <a:p>
+            <a:pPr algn="ctr"/>
+            <a:endParaRPr lang="zh-CN" altLang="en-US"/>
+          </a:p>
+        </p:txBody>
+      </p:sp>
+      <p:sp>
+        <p:nvSpPr>
+          <p:cNvPr id="72" name="箭头: 五边形 71">
+            <a:extLst>
+              <a:ext uri="{FF2B5EF4-FFF2-40B4-BE49-F238E27FC236}">
+                <a16:creationId xmlns:a16="http://schemas.microsoft.com/office/drawing/2014/main" id="{A5570B1D-860F-2C51-0D35-283858647479}"/>
+              </a:ext>
+            </a:extLst>
+          </p:cNvPr>
+          <p:cNvSpPr/>
+          <p:nvPr/>
+        </p:nvSpPr>
+        <p:spPr>
+          <a:xfrm>
+            <a:off x="2444830" y="2170688"/>
+            <a:ext cx="608079" cy="202913"/>
+          </a:xfrm>
+          <a:prstGeom prst="homePlate">
+            <a:avLst/>
+          </a:prstGeom>
+        </p:spPr>
+        <p:style>
+          <a:lnRef idx="2">
+            <a:schemeClr val="accent1">
+              <a:shade val="50000"/>
+            </a:schemeClr>
+          </a:lnRef>
+          <a:fillRef idx="1">
+            <a:schemeClr val="accent1"/>
+          </a:fillRef>
+          <a:effectRef idx="0">
+            <a:schemeClr val="accent1"/>
+          </a:effectRef>
+          <a:fontRef idx="minor">
+            <a:schemeClr val="lt1"/>
+          </a:fontRef>
+        </p:style>
+        <p:txBody>
+          <a:bodyPr rtlCol="0" anchor="ctr"/>
+          <a:lstStyle/>
+          <a:p>
+            <a:pPr algn="ctr"/>
+            <a:r>
+              <a:rPr lang="en-US" altLang="zh-CN" sz="800" b="1" dirty="0"/>
+              <a:t>INPUT</a:t>
+            </a:r>
+            <a:endParaRPr lang="zh-CN" altLang="en-US" sz="800" b="1" dirty="0"/>
+          </a:p>
+        </p:txBody>
+      </p:sp>
+      <p:sp>
+        <p:nvSpPr>
+          <p:cNvPr id="74" name="箭头: 五边形 73">
+            <a:extLst>
+              <a:ext uri="{FF2B5EF4-FFF2-40B4-BE49-F238E27FC236}">
+                <a16:creationId xmlns:a16="http://schemas.microsoft.com/office/drawing/2014/main" id="{C8DEFE0C-0DCD-99D7-BFDC-A958822E32B6}"/>
+              </a:ext>
+            </a:extLst>
+          </p:cNvPr>
+          <p:cNvSpPr/>
+          <p:nvPr/>
+        </p:nvSpPr>
+        <p:spPr>
+          <a:xfrm>
+            <a:off x="9738178" y="2164234"/>
+            <a:ext cx="648773" cy="202913"/>
+          </a:xfrm>
+          <a:prstGeom prst="homePlate">
+            <a:avLst/>
+          </a:prstGeom>
+        </p:spPr>
+        <p:style>
+          <a:lnRef idx="2">
+            <a:schemeClr val="accent1">
+              <a:shade val="50000"/>
+            </a:schemeClr>
+          </a:lnRef>
+          <a:fillRef idx="1">
+            <a:schemeClr val="accent1"/>
+          </a:fillRef>
+          <a:effectRef idx="0">
+            <a:schemeClr val="accent1"/>
+          </a:effectRef>
+          <a:fontRef idx="minor">
+            <a:schemeClr val="lt1"/>
+          </a:fontRef>
+        </p:style>
+        <p:txBody>
+          <a:bodyPr rtlCol="0" anchor="ctr"/>
+          <a:lstStyle/>
+          <a:p>
+            <a:pPr algn="ctr"/>
+            <a:r>
+              <a:rPr lang="en-US" altLang="zh-CN" sz="800" b="1" dirty="0"/>
+              <a:t>OUTPUT</a:t>
+            </a:r>
+            <a:endParaRPr lang="zh-CN" altLang="en-US" sz="800" b="1" dirty="0"/>
+          </a:p>
+        </p:txBody>
+      </p:sp>
+      <p:sp>
+        <p:nvSpPr>
+          <p:cNvPr id="76" name="箭头: 五边形 75">
+            <a:extLst>
+              <a:ext uri="{FF2B5EF4-FFF2-40B4-BE49-F238E27FC236}">
+                <a16:creationId xmlns:a16="http://schemas.microsoft.com/office/drawing/2014/main" id="{2E5FCBCA-D158-DFFD-FFFB-411719BF8277}"/>
+              </a:ext>
+            </a:extLst>
+          </p:cNvPr>
+          <p:cNvSpPr/>
+          <p:nvPr/>
+        </p:nvSpPr>
+        <p:spPr>
+          <a:xfrm>
+            <a:off x="2444830" y="3279034"/>
+            <a:ext cx="608079" cy="202913"/>
+          </a:xfrm>
+          <a:prstGeom prst="homePlate">
+            <a:avLst/>
+          </a:prstGeom>
+        </p:spPr>
+        <p:style>
+          <a:lnRef idx="2">
+            <a:schemeClr val="accent1">
+              <a:shade val="50000"/>
+            </a:schemeClr>
+          </a:lnRef>
+          <a:fillRef idx="1">
+            <a:schemeClr val="accent1"/>
+          </a:fillRef>
+          <a:effectRef idx="0">
+            <a:schemeClr val="accent1"/>
+          </a:effectRef>
+          <a:fontRef idx="minor">
+            <a:schemeClr val="lt1"/>
+          </a:fontRef>
+        </p:style>
+        <p:txBody>
+          <a:bodyPr rtlCol="0" anchor="ctr"/>
+          <a:lstStyle/>
+          <a:p>
+            <a:pPr algn="ctr"/>
+            <a:r>
+              <a:rPr lang="en-US" altLang="zh-CN" sz="800" b="1" dirty="0"/>
+              <a:t>CLK</a:t>
+            </a:r>
+            <a:endParaRPr lang="zh-CN" altLang="en-US" sz="800" b="1" dirty="0"/>
+          </a:p>
+        </p:txBody>
+      </p:sp>
+      <p:cxnSp>
+        <p:nvCxnSpPr>
+          <p:cNvPr id="77" name="直接连接符 76">
+            <a:extLst>
+              <a:ext uri="{FF2B5EF4-FFF2-40B4-BE49-F238E27FC236}">
+                <a16:creationId xmlns:a16="http://schemas.microsoft.com/office/drawing/2014/main" id="{103727EE-D920-A7F4-55F9-BA3D59EEEF1F}"/>
+              </a:ext>
+            </a:extLst>
+          </p:cNvPr>
+          <p:cNvCxnSpPr>
+            <a:cxnSpLocks/>
+            <a:stCxn id="76" idx="3"/>
+          </p:cNvCxnSpPr>
+          <p:nvPr/>
+        </p:nvCxnSpPr>
+        <p:spPr>
+          <a:xfrm>
+            <a:off x="3052909" y="3380491"/>
+            <a:ext cx="3811030" cy="3430"/>
+          </a:xfrm>
+          <a:prstGeom prst="line">
+            <a:avLst/>
+          </a:prstGeom>
+        </p:spPr>
+        <p:style>
+          <a:lnRef idx="1">
+            <a:schemeClr val="accent1"/>
+          </a:lnRef>
+          <a:fillRef idx="0">
+            <a:schemeClr val="accent1"/>
+          </a:fillRef>
+          <a:effectRef idx="0">
+            <a:schemeClr val="accent1"/>
+          </a:effectRef>
+          <a:fontRef idx="minor">
+            <a:schemeClr val="tx1"/>
+          </a:fontRef>
+        </p:style>
+      </p:cxnSp>
+      <p:sp>
+        <p:nvSpPr>
+          <p:cNvPr id="62" name="文本框 61">
+            <a:extLst>
+              <a:ext uri="{FF2B5EF4-FFF2-40B4-BE49-F238E27FC236}">
+                <a16:creationId xmlns:a16="http://schemas.microsoft.com/office/drawing/2014/main" id="{C56510AB-7C52-42A8-9F88-A2FC1F661156}"/>
+              </a:ext>
+            </a:extLst>
+          </p:cNvPr>
+          <p:cNvSpPr txBox="1"/>
+          <p:nvPr/>
+        </p:nvSpPr>
+        <p:spPr>
+          <a:xfrm>
+            <a:off x="5190305" y="2357025"/>
+            <a:ext cx="527709" cy="369332"/>
+          </a:xfrm>
+          <a:prstGeom prst="rect">
+            <a:avLst/>
+          </a:prstGeom>
+          <a:noFill/>
+        </p:spPr>
+        <p:txBody>
+          <a:bodyPr wrap="none" rtlCol="0">
+            <a:spAutoFit/>
+          </a:bodyPr>
+          <a:lstStyle/>
+          <a:p>
+            <a:r>
+              <a:rPr lang="en-US" altLang="zh-CN" dirty="0"/>
+              <a:t>FF1</a:t>
+            </a:r>
+            <a:endParaRPr lang="zh-CN" altLang="en-US" dirty="0"/>
+          </a:p>
+        </p:txBody>
+      </p:sp>
+      <p:sp>
+        <p:nvSpPr>
+          <p:cNvPr id="63" name="文本框 62">
+            <a:extLst>
+              <a:ext uri="{FF2B5EF4-FFF2-40B4-BE49-F238E27FC236}">
+                <a16:creationId xmlns:a16="http://schemas.microsoft.com/office/drawing/2014/main" id="{7EBFA7A4-FD87-4962-94D8-51FD4D97A122}"/>
+              </a:ext>
+            </a:extLst>
+          </p:cNvPr>
+          <p:cNvSpPr txBox="1"/>
+          <p:nvPr/>
+        </p:nvSpPr>
+        <p:spPr>
+          <a:xfrm>
+            <a:off x="7147010" y="2379991"/>
+            <a:ext cx="527709" cy="369332"/>
+          </a:xfrm>
+          <a:prstGeom prst="rect">
+            <a:avLst/>
+          </a:prstGeom>
+          <a:noFill/>
+        </p:spPr>
+        <p:txBody>
+          <a:bodyPr wrap="none" rtlCol="0">
+            <a:spAutoFit/>
+          </a:bodyPr>
+          <a:lstStyle/>
+          <a:p>
+            <a:r>
+              <a:rPr lang="en-US" altLang="zh-CN" dirty="0"/>
+              <a:t>FF2</a:t>
+            </a:r>
+            <a:endParaRPr lang="zh-CN" altLang="en-US" dirty="0"/>
+          </a:p>
+        </p:txBody>
+      </p:sp>
+      <p:sp>
+        <p:nvSpPr>
+          <p:cNvPr id="85" name="文本框 84">
+            <a:extLst>
+              <a:ext uri="{FF2B5EF4-FFF2-40B4-BE49-F238E27FC236}">
+                <a16:creationId xmlns:a16="http://schemas.microsoft.com/office/drawing/2014/main" id="{738DFC69-E9A5-D7B3-2108-FCF4CB73CCDF}"/>
+              </a:ext>
+            </a:extLst>
+          </p:cNvPr>
+          <p:cNvSpPr txBox="1"/>
+          <p:nvPr/>
+        </p:nvSpPr>
+        <p:spPr>
+          <a:xfrm>
+            <a:off x="5718014" y="1532293"/>
+            <a:ext cx="1300356" cy="261610"/>
+          </a:xfrm>
+          <a:prstGeom prst="rect">
+            <a:avLst/>
+          </a:prstGeom>
+          <a:noFill/>
+        </p:spPr>
+        <p:txBody>
+          <a:bodyPr wrap="none" rtlCol="0">
+            <a:spAutoFit/>
+          </a:bodyPr>
+          <a:lstStyle/>
+          <a:p>
+            <a:r>
+              <a:rPr lang="en-US" altLang="zh-CN" sz="1100" dirty="0"/>
+              <a:t>register to register</a:t>
+            </a:r>
+            <a:endParaRPr lang="zh-CN" altLang="en-US" sz="1100" dirty="0"/>
+          </a:p>
+        </p:txBody>
+      </p:sp>
+      <p:sp>
+        <p:nvSpPr>
+          <p:cNvPr id="86" name="文本框 85">
+            <a:extLst>
+              <a:ext uri="{FF2B5EF4-FFF2-40B4-BE49-F238E27FC236}">
+                <a16:creationId xmlns:a16="http://schemas.microsoft.com/office/drawing/2014/main" id="{2E46EFB2-687D-7237-2B73-7AC7D945FBC8}"/>
+              </a:ext>
+            </a:extLst>
+          </p:cNvPr>
+          <p:cNvSpPr txBox="1"/>
+          <p:nvPr/>
+        </p:nvSpPr>
+        <p:spPr>
+          <a:xfrm>
+            <a:off x="7798055" y="1545092"/>
+            <a:ext cx="1247457" cy="261610"/>
+          </a:xfrm>
+          <a:prstGeom prst="rect">
+            <a:avLst/>
+          </a:prstGeom>
+          <a:noFill/>
+        </p:spPr>
+        <p:txBody>
+          <a:bodyPr wrap="none" rtlCol="0">
+            <a:spAutoFit/>
+          </a:bodyPr>
+          <a:lstStyle/>
+          <a:p>
+            <a:r>
+              <a:rPr lang="en-US" altLang="zh-CN" sz="1100" dirty="0"/>
+              <a:t>register to output</a:t>
+            </a:r>
+            <a:endParaRPr lang="zh-CN" altLang="en-US" sz="1100" dirty="0"/>
+          </a:p>
+        </p:txBody>
+      </p:sp>
+      <p:sp>
+        <p:nvSpPr>
+          <p:cNvPr id="87" name="文本框 86">
+            <a:extLst>
+              <a:ext uri="{FF2B5EF4-FFF2-40B4-BE49-F238E27FC236}">
+                <a16:creationId xmlns:a16="http://schemas.microsoft.com/office/drawing/2014/main" id="{FAF1E360-823B-6D09-9EA1-7CAA3C613FCD}"/>
+              </a:ext>
+            </a:extLst>
+          </p:cNvPr>
+          <p:cNvSpPr txBox="1"/>
+          <p:nvPr/>
+        </p:nvSpPr>
+        <p:spPr>
+          <a:xfrm>
+            <a:off x="5926643" y="4226193"/>
+            <a:ext cx="1101584" cy="261610"/>
+          </a:xfrm>
+          <a:prstGeom prst="rect">
+            <a:avLst/>
+          </a:prstGeom>
+          <a:noFill/>
+        </p:spPr>
+        <p:txBody>
+          <a:bodyPr wrap="none" rtlCol="0">
+            <a:spAutoFit/>
+          </a:bodyPr>
+          <a:lstStyle/>
+          <a:p>
+            <a:r>
+              <a:rPr lang="en-US" altLang="zh-CN" sz="1100" dirty="0"/>
+              <a:t>input to output</a:t>
+            </a:r>
+            <a:endParaRPr lang="zh-CN" altLang="en-US" sz="1100" dirty="0"/>
+          </a:p>
+        </p:txBody>
+      </p:sp>
+    </p:spTree>
+    <p:extLst>
+      <p:ext uri="{BB962C8B-B14F-4D97-AF65-F5344CB8AC3E}">
+        <p14:creationId xmlns:p14="http://schemas.microsoft.com/office/powerpoint/2010/main" val="3491803244"/>
+      </p:ext>
+    </p:extLst>
+  </p:cSld>
+  <p:clrMapOvr>
+    <a:masterClrMapping/>
+  </p:clrMapOvr>
+</p:sld>
+</file>
+
 <file path=ppt/theme/theme1.xml><?xml version="1.0" encoding="utf-8"?>
 <a:theme xmlns:a="http://schemas.openxmlformats.org/drawingml/2006/main" name="Office 主题​​">
   <a:themeElements>
